--- a/flux-introduction.pptx
+++ b/flux-introduction.pptx
@@ -5,10 +5,10 @@
     <p:sldMasterId id="2147483648" r:id="rId1"/>
   </p:sldMasterIdLst>
   <p:notesMasterIdLst>
-    <p:notesMasterId r:id="rId25"/>
+    <p:notesMasterId r:id="rId26"/>
   </p:notesMasterIdLst>
   <p:handoutMasterIdLst>
-    <p:handoutMasterId r:id="rId26"/>
+    <p:handoutMasterId r:id="rId27"/>
   </p:handoutMasterIdLst>
   <p:sldIdLst>
     <p:sldId id="261" r:id="rId2"/>
@@ -23,17 +23,18 @@
     <p:sldId id="375" r:id="rId11"/>
     <p:sldId id="376" r:id="rId12"/>
     <p:sldId id="377" r:id="rId13"/>
-    <p:sldId id="364" r:id="rId14"/>
-    <p:sldId id="366" r:id="rId15"/>
-    <p:sldId id="378" r:id="rId16"/>
-    <p:sldId id="365" r:id="rId17"/>
-    <p:sldId id="367" r:id="rId18"/>
-    <p:sldId id="373" r:id="rId19"/>
-    <p:sldId id="370" r:id="rId20"/>
-    <p:sldId id="371" r:id="rId21"/>
-    <p:sldId id="372" r:id="rId22"/>
-    <p:sldId id="359" r:id="rId23"/>
-    <p:sldId id="380" r:id="rId24"/>
+    <p:sldId id="381" r:id="rId14"/>
+    <p:sldId id="364" r:id="rId15"/>
+    <p:sldId id="366" r:id="rId16"/>
+    <p:sldId id="378" r:id="rId17"/>
+    <p:sldId id="365" r:id="rId18"/>
+    <p:sldId id="367" r:id="rId19"/>
+    <p:sldId id="373" r:id="rId20"/>
+    <p:sldId id="370" r:id="rId21"/>
+    <p:sldId id="371" r:id="rId22"/>
+    <p:sldId id="372" r:id="rId23"/>
+    <p:sldId id="359" r:id="rId24"/>
+    <p:sldId id="380" r:id="rId25"/>
   </p:sldIdLst>
   <p:sldSz cx="9144000" cy="6858000" type="screen4x3"/>
   <p:notesSz cx="6858000" cy="9144000"/>
@@ -134,7 +135,7 @@
   </p:defaultTextStyle>
   <p:extLst>
     <p:ext uri="{EFAFB233-063F-42B5-8137-9DF3F51BA10A}">
-      <p15:sldGuideLst xmlns:p15="http://schemas.microsoft.com/office/powerpoint/2012/main" xmlns="">
+      <p15:sldGuideLst xmlns="" xmlns:p15="http://schemas.microsoft.com/office/powerpoint/2012/main">
         <p15:guide id="1" orient="horz" pos="3300">
           <p15:clr>
             <a:srgbClr val="A4A3A4"/>
@@ -234,7 +235,7 @@
             <a:fld id="{BB937446-253D-9247-BD46-8A12B019035C}" type="datetimeFigureOut">
               <a:rPr lang="de-DE" smtClean="0"/>
               <a:pPr/>
-              <a:t>18.08.15</a:t>
+              <a:t>19.08.15</a:t>
             </a:fld>
             <a:endParaRPr lang="de-DE"/>
           </a:p>
@@ -401,7 +402,7 @@
             <a:fld id="{D03C3069-EAFB-4145-8E4B-04F54E649D99}" type="datetimeFigureOut">
               <a:rPr lang="de-DE" smtClean="0"/>
               <a:pPr/>
-              <a:t>18.08.15</a:t>
+              <a:t>19.08.15</a:t>
             </a:fld>
             <a:endParaRPr lang="de-DE"/>
           </a:p>
@@ -1085,7 +1086,7 @@
     </p:spTree>
     <p:extLst>
       <p:ext uri="{BB962C8B-B14F-4D97-AF65-F5344CB8AC3E}">
-        <p14:creationId xmlns:p14="http://schemas.microsoft.com/office/powerpoint/2010/main" val="19840999"/>
+        <p14:creationId xmlns:p14="http://schemas.microsoft.com/office/powerpoint/2010/main" val="724595870"/>
       </p:ext>
     </p:extLst>
   </p:cSld>
@@ -1170,7 +1171,7 @@
     </p:spTree>
     <p:extLst>
       <p:ext uri="{BB962C8B-B14F-4D97-AF65-F5344CB8AC3E}">
-        <p14:creationId xmlns:p14="http://schemas.microsoft.com/office/powerpoint/2010/main" val="1206115165"/>
+        <p14:creationId xmlns:p14="http://schemas.microsoft.com/office/powerpoint/2010/main" val="19840999"/>
       </p:ext>
     </p:extLst>
   </p:cSld>
@@ -1255,7 +1256,7 @@
     </p:spTree>
     <p:extLst>
       <p:ext uri="{BB962C8B-B14F-4D97-AF65-F5344CB8AC3E}">
-        <p14:creationId xmlns:p14="http://schemas.microsoft.com/office/powerpoint/2010/main" val="1531232132"/>
+        <p14:creationId xmlns:p14="http://schemas.microsoft.com/office/powerpoint/2010/main" val="1206115165"/>
       </p:ext>
     </p:extLst>
   </p:cSld>
@@ -1340,7 +1341,7 @@
     </p:spTree>
     <p:extLst>
       <p:ext uri="{BB962C8B-B14F-4D97-AF65-F5344CB8AC3E}">
-        <p14:creationId xmlns:p14="http://schemas.microsoft.com/office/powerpoint/2010/main" val="1780627983"/>
+        <p14:creationId xmlns:p14="http://schemas.microsoft.com/office/powerpoint/2010/main" val="1531232132"/>
       </p:ext>
     </p:extLst>
   </p:cSld>
@@ -1425,7 +1426,7 @@
     </p:spTree>
     <p:extLst>
       <p:ext uri="{BB962C8B-B14F-4D97-AF65-F5344CB8AC3E}">
-        <p14:creationId xmlns:p14="http://schemas.microsoft.com/office/powerpoint/2010/main" val="2446523474"/>
+        <p14:creationId xmlns:p14="http://schemas.microsoft.com/office/powerpoint/2010/main" val="1780627983"/>
       </p:ext>
     </p:extLst>
   </p:cSld>
@@ -1510,7 +1511,7 @@
     </p:spTree>
     <p:extLst>
       <p:ext uri="{BB962C8B-B14F-4D97-AF65-F5344CB8AC3E}">
-        <p14:creationId xmlns:p14="http://schemas.microsoft.com/office/powerpoint/2010/main" val="50904158"/>
+        <p14:creationId xmlns:p14="http://schemas.microsoft.com/office/powerpoint/2010/main" val="2446523474"/>
       </p:ext>
     </p:extLst>
   </p:cSld>
@@ -1595,7 +1596,7 @@
     </p:spTree>
     <p:extLst>
       <p:ext uri="{BB962C8B-B14F-4D97-AF65-F5344CB8AC3E}">
-        <p14:creationId xmlns:p14="http://schemas.microsoft.com/office/powerpoint/2010/main" val="2404286141"/>
+        <p14:creationId xmlns:p14="http://schemas.microsoft.com/office/powerpoint/2010/main" val="50904158"/>
       </p:ext>
     </p:extLst>
   </p:cSld>
@@ -1765,7 +1766,7 @@
     </p:spTree>
     <p:extLst>
       <p:ext uri="{BB962C8B-B14F-4D97-AF65-F5344CB8AC3E}">
-        <p14:creationId xmlns:p14="http://schemas.microsoft.com/office/powerpoint/2010/main" val="4047369405"/>
+        <p14:creationId xmlns:p14="http://schemas.microsoft.com/office/powerpoint/2010/main" val="2404286141"/>
       </p:ext>
     </p:extLst>
   </p:cSld>
@@ -1850,7 +1851,7 @@
     </p:spTree>
     <p:extLst>
       <p:ext uri="{BB962C8B-B14F-4D97-AF65-F5344CB8AC3E}">
-        <p14:creationId xmlns:p14="http://schemas.microsoft.com/office/powerpoint/2010/main" val="3089942434"/>
+        <p14:creationId xmlns:p14="http://schemas.microsoft.com/office/powerpoint/2010/main" val="4047369405"/>
       </p:ext>
     </p:extLst>
   </p:cSld>
@@ -1935,7 +1936,7 @@
     </p:spTree>
     <p:extLst>
       <p:ext uri="{BB962C8B-B14F-4D97-AF65-F5344CB8AC3E}">
-        <p14:creationId xmlns:p14="http://schemas.microsoft.com/office/powerpoint/2010/main" val="27834752"/>
+        <p14:creationId xmlns:p14="http://schemas.microsoft.com/office/powerpoint/2010/main" val="3089942434"/>
       </p:ext>
     </p:extLst>
   </p:cSld>
@@ -2012,6 +2013,91 @@
               <a:rPr lang="de-DE" smtClean="0"/>
               <a:pPr/>
               <a:t>23</a:t>
+            </a:fld>
+            <a:endParaRPr lang="de-DE"/>
+          </a:p>
+        </p:txBody>
+      </p:sp>
+    </p:spTree>
+    <p:extLst>
+      <p:ext uri="{BB962C8B-B14F-4D97-AF65-F5344CB8AC3E}">
+        <p14:creationId xmlns:p14="http://schemas.microsoft.com/office/powerpoint/2010/main" val="27834752"/>
+      </p:ext>
+    </p:extLst>
+  </p:cSld>
+  <p:clrMapOvr>
+    <a:masterClrMapping/>
+  </p:clrMapOvr>
+</p:notes>
+</file>
+
+<file path=ppt/notesSlides/notesSlide24.xml><?xml version="1.0" encoding="utf-8"?>
+<p:notes xmlns:a="http://schemas.openxmlformats.org/drawingml/2006/main" xmlns:r="http://schemas.openxmlformats.org/officeDocument/2006/relationships" xmlns:p="http://schemas.openxmlformats.org/presentationml/2006/main">
+  <p:cSld>
+    <p:spTree>
+      <p:nvGrpSpPr>
+        <p:cNvPr id="1" name=""/>
+        <p:cNvGrpSpPr/>
+        <p:nvPr/>
+      </p:nvGrpSpPr>
+      <p:grpSpPr>
+        <a:xfrm>
+          <a:off x="0" y="0"/>
+          <a:ext cx="0" cy="0"/>
+          <a:chOff x="0" y="0"/>
+          <a:chExt cx="0" cy="0"/>
+        </a:xfrm>
+      </p:grpSpPr>
+      <p:sp>
+        <p:nvSpPr>
+          <p:cNvPr id="2" name="Folienbildplatzhalter 1"/>
+          <p:cNvSpPr>
+            <a:spLocks noGrp="1" noRot="1" noChangeAspect="1"/>
+          </p:cNvSpPr>
+          <p:nvPr>
+            <p:ph type="sldImg"/>
+          </p:nvPr>
+        </p:nvSpPr>
+        <p:spPr/>
+      </p:sp>
+      <p:sp>
+        <p:nvSpPr>
+          <p:cNvPr id="3" name="Notizenplatzhalter 2"/>
+          <p:cNvSpPr>
+            <a:spLocks noGrp="1"/>
+          </p:cNvSpPr>
+          <p:nvPr>
+            <p:ph type="body" idx="1"/>
+          </p:nvPr>
+        </p:nvSpPr>
+        <p:spPr/>
+        <p:txBody>
+          <a:bodyPr/>
+          <a:lstStyle/>
+          <a:p>
+            <a:endParaRPr lang="de-DE"/>
+          </a:p>
+        </p:txBody>
+      </p:sp>
+      <p:sp>
+        <p:nvSpPr>
+          <p:cNvPr id="4" name="Foliennummernplatzhalter 3"/>
+          <p:cNvSpPr>
+            <a:spLocks noGrp="1"/>
+          </p:cNvSpPr>
+          <p:nvPr>
+            <p:ph type="sldNum" sz="quarter" idx="10"/>
+          </p:nvPr>
+        </p:nvSpPr>
+        <p:spPr/>
+        <p:txBody>
+          <a:bodyPr/>
+          <a:lstStyle/>
+          <a:p>
+            <a:fld id="{446AC1AA-0751-8243-836D-342D444A6997}" type="slidenum">
+              <a:rPr lang="de-DE" smtClean="0"/>
+              <a:pPr/>
+              <a:t>24</a:t>
             </a:fld>
             <a:endParaRPr lang="de-DE"/>
           </a:p>
@@ -5926,6 +6012,228 @@
             <p:ph idx="1"/>
           </p:nvPr>
         </p:nvSpPr>
+        <p:spPr>
+          <a:xfrm>
+            <a:off x="315884" y="4200534"/>
+            <a:ext cx="8512232" cy="2437333"/>
+          </a:xfrm>
+        </p:spPr>
+        <p:txBody>
+          <a:bodyPr>
+            <a:noAutofit/>
+          </a:bodyPr>
+          <a:lstStyle/>
+          <a:p>
+            <a:pPr marL="0" indent="0">
+              <a:buNone/>
+            </a:pPr>
+            <a:r>
+              <a:rPr lang="de-DE" sz="3000" b="1" dirty="0" smtClean="0">
+                <a:solidFill>
+                  <a:srgbClr val="4E4D4D"/>
+                </a:solidFill>
+              </a:rPr>
+              <a:t>Uni-</a:t>
+            </a:r>
+            <a:r>
+              <a:rPr lang="de-DE" sz="3000" b="1" dirty="0" err="1" smtClean="0">
+                <a:solidFill>
+                  <a:srgbClr val="4E4D4D"/>
+                </a:solidFill>
+              </a:rPr>
+              <a:t>directional</a:t>
+            </a:r>
+            <a:r>
+              <a:rPr lang="de-DE" sz="3000" b="1" dirty="0">
+                <a:solidFill>
+                  <a:srgbClr val="4E4D4D"/>
+                </a:solidFill>
+              </a:rPr>
+              <a:t> </a:t>
+            </a:r>
+            <a:r>
+              <a:rPr lang="de-DE" sz="3000" b="1" dirty="0" err="1" smtClean="0">
+                <a:solidFill>
+                  <a:srgbClr val="4E4D4D"/>
+                </a:solidFill>
+              </a:rPr>
+              <a:t>data</a:t>
+            </a:r>
+            <a:r>
+              <a:rPr lang="de-DE" sz="3000" b="1" dirty="0" smtClean="0">
+                <a:solidFill>
+                  <a:srgbClr val="4E4D4D"/>
+                </a:solidFill>
+              </a:rPr>
+              <a:t> </a:t>
+            </a:r>
+            <a:r>
+              <a:rPr lang="de-DE" sz="3000" b="1" dirty="0" err="1" smtClean="0">
+                <a:solidFill>
+                  <a:srgbClr val="4E4D4D"/>
+                </a:solidFill>
+              </a:rPr>
+              <a:t>flow</a:t>
+            </a:r>
+            <a:r>
+              <a:rPr lang="de-DE" sz="3000" b="1" dirty="0" smtClean="0">
+                <a:solidFill>
+                  <a:srgbClr val="4E4D4D"/>
+                </a:solidFill>
+              </a:rPr>
+              <a:t>!</a:t>
+            </a:r>
+            <a:endParaRPr lang="de-DE" sz="3000" b="1" dirty="0" smtClean="0">
+              <a:solidFill>
+                <a:srgbClr val="4E4D4D"/>
+              </a:solidFill>
+            </a:endParaRPr>
+          </a:p>
+        </p:txBody>
+      </p:sp>
+      <p:sp>
+        <p:nvSpPr>
+          <p:cNvPr id="3" name="Titel 2"/>
+          <p:cNvSpPr>
+            <a:spLocks noGrp="1"/>
+          </p:cNvSpPr>
+          <p:nvPr>
+            <p:ph type="title"/>
+          </p:nvPr>
+        </p:nvSpPr>
+        <p:spPr/>
+        <p:txBody>
+          <a:bodyPr>
+            <a:normAutofit fontScale="90000"/>
+          </a:bodyPr>
+          <a:lstStyle/>
+          <a:p>
+            <a:r>
+              <a:rPr lang="de-DE" dirty="0" smtClean="0"/>
+              <a:t>UNI-DIRECTIONAL DATA FLOW - 5</a:t>
+            </a:r>
+            <a:endParaRPr lang="de-DE" dirty="0"/>
+          </a:p>
+        </p:txBody>
+      </p:sp>
+      <p:pic>
+        <p:nvPicPr>
+          <p:cNvPr id="7" name="Bild 6"/>
+          <p:cNvPicPr>
+            <a:picLocks noChangeAspect="1"/>
+          </p:cNvPicPr>
+          <p:nvPr/>
+        </p:nvPicPr>
+        <p:blipFill>
+          <a:blip r:embed="rId3"/>
+          <a:stretch>
+            <a:fillRect/>
+          </a:stretch>
+        </p:blipFill>
+        <p:spPr>
+          <a:xfrm>
+            <a:off x="419101" y="1079500"/>
+            <a:ext cx="7810500" cy="2616200"/>
+          </a:xfrm>
+          <a:prstGeom prst="rect">
+            <a:avLst/>
+          </a:prstGeom>
+        </p:spPr>
+      </p:pic>
+      <p:sp>
+        <p:nvSpPr>
+          <p:cNvPr id="4" name="Rechteck 3"/>
+          <p:cNvSpPr/>
+          <p:nvPr/>
+        </p:nvSpPr>
+        <p:spPr>
+          <a:xfrm>
+            <a:off x="1333500" y="1358900"/>
+            <a:ext cx="6007100" cy="2044700"/>
+          </a:xfrm>
+          <a:prstGeom prst="rect">
+            <a:avLst/>
+          </a:prstGeom>
+          <a:noFill/>
+          <a:ln w="190500">
+            <a:solidFill>
+              <a:srgbClr val="E84528">
+                <a:alpha val="40000"/>
+              </a:srgbClr>
+            </a:solidFill>
+            <a:miter lim="800000"/>
+          </a:ln>
+        </p:spPr>
+        <p:style>
+          <a:lnRef idx="1">
+            <a:schemeClr val="accent1"/>
+          </a:lnRef>
+          <a:fillRef idx="3">
+            <a:schemeClr val="accent1"/>
+          </a:fillRef>
+          <a:effectRef idx="2">
+            <a:schemeClr val="accent1"/>
+          </a:effectRef>
+          <a:fontRef idx="minor">
+            <a:schemeClr val="lt1"/>
+          </a:fontRef>
+        </p:style>
+        <p:txBody>
+          <a:bodyPr rtlCol="0" anchor="ctr"/>
+          <a:lstStyle/>
+          <a:p>
+            <a:pPr algn="ctr"/>
+            <a:endParaRPr lang="de-DE"/>
+          </a:p>
+        </p:txBody>
+      </p:sp>
+    </p:spTree>
+    <p:extLst>
+      <p:ext uri="{BB962C8B-B14F-4D97-AF65-F5344CB8AC3E}">
+        <p14:creationId xmlns:p14="http://schemas.microsoft.com/office/powerpoint/2010/main" val="2579164705"/>
+      </p:ext>
+    </p:extLst>
+  </p:cSld>
+  <p:clrMapOvr>
+    <a:masterClrMapping/>
+  </p:clrMapOvr>
+  <p:timing>
+    <p:tnLst>
+      <p:par>
+        <p:cTn xmlns:p14="http://schemas.microsoft.com/office/powerpoint/2010/main" id="1" dur="indefinite" restart="never" nodeType="tmRoot"/>
+      </p:par>
+    </p:tnLst>
+  </p:timing>
+</p:sld>
+</file>
+
+<file path=ppt/slides/slide14.xml><?xml version="1.0" encoding="utf-8"?>
+<p:sld xmlns:a="http://schemas.openxmlformats.org/drawingml/2006/main" xmlns:r="http://schemas.openxmlformats.org/officeDocument/2006/relationships" xmlns:p="http://schemas.openxmlformats.org/presentationml/2006/main">
+  <p:cSld>
+    <p:spTree>
+      <p:nvGrpSpPr>
+        <p:cNvPr id="1" name=""/>
+        <p:cNvGrpSpPr/>
+        <p:nvPr/>
+      </p:nvGrpSpPr>
+      <p:grpSpPr>
+        <a:xfrm>
+          <a:off x="0" y="0"/>
+          <a:ext cx="0" cy="0"/>
+          <a:chOff x="0" y="0"/>
+          <a:chExt cx="0" cy="0"/>
+        </a:xfrm>
+      </p:grpSpPr>
+      <p:sp>
+        <p:nvSpPr>
+          <p:cNvPr id="2" name="Inhaltsplatzhalter 1"/>
+          <p:cNvSpPr>
+            <a:spLocks noGrp="1"/>
+          </p:cNvSpPr>
+          <p:nvPr>
+            <p:ph idx="1"/>
+          </p:nvPr>
+        </p:nvSpPr>
         <p:spPr/>
         <p:txBody>
           <a:bodyPr/>
@@ -6005,7 +6313,7 @@
 </p:sld>
 </file>
 
-<file path=ppt/slides/slide14.xml><?xml version="1.0" encoding="utf-8"?>
+<file path=ppt/slides/slide15.xml><?xml version="1.0" encoding="utf-8"?>
 <p:sld xmlns:a="http://schemas.openxmlformats.org/drawingml/2006/main" xmlns:r="http://schemas.openxmlformats.org/officeDocument/2006/relationships" xmlns:p="http://schemas.openxmlformats.org/presentationml/2006/main">
   <p:cSld>
     <p:spTree>
@@ -6395,7 +6703,7 @@
 </p:sld>
 </file>
 
-<file path=ppt/slides/slide15.xml><?xml version="1.0" encoding="utf-8"?>
+<file path=ppt/slides/slide16.xml><?xml version="1.0" encoding="utf-8"?>
 <p:sld xmlns:a="http://schemas.openxmlformats.org/drawingml/2006/main" xmlns:r="http://schemas.openxmlformats.org/officeDocument/2006/relationships" xmlns:p="http://schemas.openxmlformats.org/presentationml/2006/main">
   <p:cSld>
     <p:spTree>
@@ -6758,7 +7066,7 @@
 </p:sld>
 </file>
 
-<file path=ppt/slides/slide16.xml><?xml version="1.0" encoding="utf-8"?>
+<file path=ppt/slides/slide17.xml><?xml version="1.0" encoding="utf-8"?>
 <p:sld xmlns:a="http://schemas.openxmlformats.org/drawingml/2006/main" xmlns:r="http://schemas.openxmlformats.org/officeDocument/2006/relationships" xmlns:p="http://schemas.openxmlformats.org/presentationml/2006/main">
   <p:cSld>
     <p:spTree>
@@ -6979,7 +7287,7 @@
 </p:sld>
 </file>
 
-<file path=ppt/slides/slide17.xml><?xml version="1.0" encoding="utf-8"?>
+<file path=ppt/slides/slide18.xml><?xml version="1.0" encoding="utf-8"?>
 <p:sld xmlns:a="http://schemas.openxmlformats.org/drawingml/2006/main" xmlns:r="http://schemas.openxmlformats.org/officeDocument/2006/relationships" xmlns:p="http://schemas.openxmlformats.org/presentationml/2006/main">
   <p:cSld>
     <p:spTree>
@@ -7298,7 +7606,7 @@
 </p:sld>
 </file>
 
-<file path=ppt/slides/slide18.xml><?xml version="1.0" encoding="utf-8"?>
+<file path=ppt/slides/slide19.xml><?xml version="1.0" encoding="utf-8"?>
 <p:sld xmlns:a="http://schemas.openxmlformats.org/drawingml/2006/main" xmlns:r="http://schemas.openxmlformats.org/officeDocument/2006/relationships" xmlns:p="http://schemas.openxmlformats.org/presentationml/2006/main">
   <p:cSld>
     <p:spTree>
@@ -7422,206 +7730,6 @@
     <p:extLst>
       <p:ext uri="{BB962C8B-B14F-4D97-AF65-F5344CB8AC3E}">
         <p14:creationId xmlns:p14="http://schemas.microsoft.com/office/powerpoint/2010/main" val="2995986788"/>
-      </p:ext>
-    </p:extLst>
-  </p:cSld>
-  <p:clrMapOvr>
-    <a:masterClrMapping/>
-  </p:clrMapOvr>
-  <p:timing>
-    <p:tnLst>
-      <p:par>
-        <p:cTn xmlns:p14="http://schemas.microsoft.com/office/powerpoint/2010/main" id="1" dur="indefinite" restart="never" nodeType="tmRoot"/>
-      </p:par>
-    </p:tnLst>
-  </p:timing>
-</p:sld>
-</file>
-
-<file path=ppt/slides/slide19.xml><?xml version="1.0" encoding="utf-8"?>
-<p:sld xmlns:a="http://schemas.openxmlformats.org/drawingml/2006/main" xmlns:r="http://schemas.openxmlformats.org/officeDocument/2006/relationships" xmlns:p="http://schemas.openxmlformats.org/presentationml/2006/main">
-  <p:cSld>
-    <p:spTree>
-      <p:nvGrpSpPr>
-        <p:cNvPr id="1" name=""/>
-        <p:cNvGrpSpPr/>
-        <p:nvPr/>
-      </p:nvGrpSpPr>
-      <p:grpSpPr>
-        <a:xfrm>
-          <a:off x="0" y="0"/>
-          <a:ext cx="0" cy="0"/>
-          <a:chOff x="0" y="0"/>
-          <a:chExt cx="0" cy="0"/>
-        </a:xfrm>
-      </p:grpSpPr>
-      <p:sp>
-        <p:nvSpPr>
-          <p:cNvPr id="2" name="Inhaltsplatzhalter 1"/>
-          <p:cNvSpPr>
-            <a:spLocks noGrp="1"/>
-          </p:cNvSpPr>
-          <p:nvPr>
-            <p:ph idx="1"/>
-          </p:nvPr>
-        </p:nvSpPr>
-        <p:spPr>
-          <a:xfrm>
-            <a:off x="315884" y="5445224"/>
-            <a:ext cx="8512232" cy="1192643"/>
-          </a:xfrm>
-        </p:spPr>
-        <p:txBody>
-          <a:bodyPr/>
-          <a:lstStyle/>
-          <a:p>
-            <a:pPr marL="0" indent="0">
-              <a:buNone/>
-            </a:pPr>
-            <a:r>
-              <a:rPr lang="de-DE" dirty="0" smtClean="0"/>
-              <a:t>...Action </a:t>
-            </a:r>
-            <a:r>
-              <a:rPr lang="de-DE" dirty="0" err="1" smtClean="0"/>
-              <a:t>can</a:t>
-            </a:r>
-            <a:r>
-              <a:rPr lang="de-DE" dirty="0" smtClean="0"/>
-              <a:t> </a:t>
-            </a:r>
-            <a:r>
-              <a:rPr lang="de-DE" dirty="0" err="1" smtClean="0"/>
-              <a:t>be</a:t>
-            </a:r>
-            <a:r>
-              <a:rPr lang="de-DE" dirty="0" smtClean="0"/>
-              <a:t> </a:t>
-            </a:r>
-            <a:r>
-              <a:rPr lang="de-DE" dirty="0" err="1" smtClean="0"/>
-              <a:t>dispatched</a:t>
-            </a:r>
-            <a:r>
-              <a:rPr lang="de-DE" dirty="0" smtClean="0"/>
-              <a:t> </a:t>
-            </a:r>
-            <a:r>
-              <a:rPr lang="de-DE" dirty="0" err="1" smtClean="0"/>
-              <a:t>to</a:t>
-            </a:r>
-            <a:r>
-              <a:rPr lang="de-DE" dirty="0" smtClean="0"/>
-              <a:t> multiple </a:t>
-            </a:r>
-            <a:r>
-              <a:rPr lang="de-DE" dirty="0" err="1" smtClean="0"/>
-              <a:t>stores</a:t>
-            </a:r>
-            <a:endParaRPr lang="de-DE" dirty="0" smtClean="0"/>
-          </a:p>
-          <a:p>
-            <a:pPr marL="0" indent="0">
-              <a:buNone/>
-            </a:pPr>
-            <a:r>
-              <a:rPr lang="de-DE" dirty="0" smtClean="0"/>
-              <a:t>...A </a:t>
-            </a:r>
-            <a:r>
-              <a:rPr lang="de-DE" dirty="0" err="1" smtClean="0"/>
-              <a:t>component</a:t>
-            </a:r>
-            <a:r>
-              <a:rPr lang="de-DE" dirty="0" smtClean="0"/>
-              <a:t> </a:t>
-            </a:r>
-            <a:r>
-              <a:rPr lang="de-DE" dirty="0" err="1" smtClean="0"/>
-              <a:t>can</a:t>
-            </a:r>
-            <a:r>
-              <a:rPr lang="de-DE" dirty="0" smtClean="0"/>
-              <a:t> listen </a:t>
-            </a:r>
-            <a:r>
-              <a:rPr lang="de-DE" dirty="0" err="1" smtClean="0"/>
-              <a:t>to</a:t>
-            </a:r>
-            <a:r>
-              <a:rPr lang="de-DE" dirty="0" smtClean="0"/>
-              <a:t> multiple </a:t>
-            </a:r>
-            <a:r>
-              <a:rPr lang="de-DE" dirty="0" err="1" smtClean="0"/>
-              <a:t>stores</a:t>
-            </a:r>
-            <a:r>
-              <a:rPr lang="de-DE" dirty="0" smtClean="0"/>
-              <a:t>...</a:t>
-            </a:r>
-          </a:p>
-          <a:p>
-            <a:pPr marL="0" indent="0">
-              <a:buNone/>
-            </a:pPr>
-            <a:endParaRPr lang="de-DE" dirty="0"/>
-          </a:p>
-        </p:txBody>
-      </p:sp>
-      <p:sp>
-        <p:nvSpPr>
-          <p:cNvPr id="3" name="Titel 2"/>
-          <p:cNvSpPr>
-            <a:spLocks noGrp="1"/>
-          </p:cNvSpPr>
-          <p:nvPr>
-            <p:ph type="title"/>
-          </p:nvPr>
-        </p:nvSpPr>
-        <p:spPr/>
-        <p:txBody>
-          <a:bodyPr>
-            <a:normAutofit fontScale="90000"/>
-          </a:bodyPr>
-          <a:lstStyle/>
-          <a:p>
-            <a:r>
-              <a:rPr lang="de-DE" dirty="0" smtClean="0"/>
-              <a:t>UNI-DIRECTIONAL DATA FLOW - EXAMPLE 1</a:t>
-            </a:r>
-            <a:endParaRPr lang="de-DE" dirty="0"/>
-          </a:p>
-        </p:txBody>
-      </p:sp>
-      <p:pic>
-        <p:nvPicPr>
-          <p:cNvPr id="4" name="Bild 3"/>
-          <p:cNvPicPr>
-            <a:picLocks noChangeAspect="1"/>
-          </p:cNvPicPr>
-          <p:nvPr/>
-        </p:nvPicPr>
-        <p:blipFill>
-          <a:blip r:embed="rId3"/>
-          <a:stretch>
-            <a:fillRect/>
-          </a:stretch>
-        </p:blipFill>
-        <p:spPr>
-          <a:xfrm>
-            <a:off x="392322" y="1371600"/>
-            <a:ext cx="8435794" cy="3785592"/>
-          </a:xfrm>
-          <a:prstGeom prst="rect">
-            <a:avLst/>
-          </a:prstGeom>
-        </p:spPr>
-      </p:pic>
-    </p:spTree>
-    <p:extLst>
-      <p:ext uri="{BB962C8B-B14F-4D97-AF65-F5344CB8AC3E}">
-        <p14:creationId xmlns:p14="http://schemas.microsoft.com/office/powerpoint/2010/main" val="2277398810"/>
       </p:ext>
     </p:extLst>
   </p:cSld>
@@ -8216,6 +8324,206 @@
             </a:pPr>
             <a:r>
               <a:rPr lang="de-DE" dirty="0" smtClean="0"/>
+              <a:t>...Action </a:t>
+            </a:r>
+            <a:r>
+              <a:rPr lang="de-DE" dirty="0" err="1" smtClean="0"/>
+              <a:t>can</a:t>
+            </a:r>
+            <a:r>
+              <a:rPr lang="de-DE" dirty="0" smtClean="0"/>
+              <a:t> </a:t>
+            </a:r>
+            <a:r>
+              <a:rPr lang="de-DE" dirty="0" err="1" smtClean="0"/>
+              <a:t>be</a:t>
+            </a:r>
+            <a:r>
+              <a:rPr lang="de-DE" dirty="0" smtClean="0"/>
+              <a:t> </a:t>
+            </a:r>
+            <a:r>
+              <a:rPr lang="de-DE" dirty="0" err="1" smtClean="0"/>
+              <a:t>dispatched</a:t>
+            </a:r>
+            <a:r>
+              <a:rPr lang="de-DE" dirty="0" smtClean="0"/>
+              <a:t> </a:t>
+            </a:r>
+            <a:r>
+              <a:rPr lang="de-DE" dirty="0" err="1" smtClean="0"/>
+              <a:t>to</a:t>
+            </a:r>
+            <a:r>
+              <a:rPr lang="de-DE" dirty="0" smtClean="0"/>
+              <a:t> multiple </a:t>
+            </a:r>
+            <a:r>
+              <a:rPr lang="de-DE" dirty="0" err="1" smtClean="0"/>
+              <a:t>stores</a:t>
+            </a:r>
+            <a:endParaRPr lang="de-DE" dirty="0" smtClean="0"/>
+          </a:p>
+          <a:p>
+            <a:pPr marL="0" indent="0">
+              <a:buNone/>
+            </a:pPr>
+            <a:r>
+              <a:rPr lang="de-DE" dirty="0" smtClean="0"/>
+              <a:t>...A </a:t>
+            </a:r>
+            <a:r>
+              <a:rPr lang="de-DE" dirty="0" err="1" smtClean="0"/>
+              <a:t>component</a:t>
+            </a:r>
+            <a:r>
+              <a:rPr lang="de-DE" dirty="0" smtClean="0"/>
+              <a:t> </a:t>
+            </a:r>
+            <a:r>
+              <a:rPr lang="de-DE" dirty="0" err="1" smtClean="0"/>
+              <a:t>can</a:t>
+            </a:r>
+            <a:r>
+              <a:rPr lang="de-DE" dirty="0" smtClean="0"/>
+              <a:t> listen </a:t>
+            </a:r>
+            <a:r>
+              <a:rPr lang="de-DE" dirty="0" err="1" smtClean="0"/>
+              <a:t>to</a:t>
+            </a:r>
+            <a:r>
+              <a:rPr lang="de-DE" dirty="0" smtClean="0"/>
+              <a:t> multiple </a:t>
+            </a:r>
+            <a:r>
+              <a:rPr lang="de-DE" dirty="0" err="1" smtClean="0"/>
+              <a:t>stores</a:t>
+            </a:r>
+            <a:r>
+              <a:rPr lang="de-DE" dirty="0" smtClean="0"/>
+              <a:t>...</a:t>
+            </a:r>
+          </a:p>
+          <a:p>
+            <a:pPr marL="0" indent="0">
+              <a:buNone/>
+            </a:pPr>
+            <a:endParaRPr lang="de-DE" dirty="0"/>
+          </a:p>
+        </p:txBody>
+      </p:sp>
+      <p:sp>
+        <p:nvSpPr>
+          <p:cNvPr id="3" name="Titel 2"/>
+          <p:cNvSpPr>
+            <a:spLocks noGrp="1"/>
+          </p:cNvSpPr>
+          <p:nvPr>
+            <p:ph type="title"/>
+          </p:nvPr>
+        </p:nvSpPr>
+        <p:spPr/>
+        <p:txBody>
+          <a:bodyPr>
+            <a:normAutofit fontScale="90000"/>
+          </a:bodyPr>
+          <a:lstStyle/>
+          <a:p>
+            <a:r>
+              <a:rPr lang="de-DE" dirty="0" smtClean="0"/>
+              <a:t>UNI-DIRECTIONAL DATA FLOW - EXAMPLE 1</a:t>
+            </a:r>
+            <a:endParaRPr lang="de-DE" dirty="0"/>
+          </a:p>
+        </p:txBody>
+      </p:sp>
+      <p:pic>
+        <p:nvPicPr>
+          <p:cNvPr id="4" name="Bild 3"/>
+          <p:cNvPicPr>
+            <a:picLocks noChangeAspect="1"/>
+          </p:cNvPicPr>
+          <p:nvPr/>
+        </p:nvPicPr>
+        <p:blipFill>
+          <a:blip r:embed="rId3"/>
+          <a:stretch>
+            <a:fillRect/>
+          </a:stretch>
+        </p:blipFill>
+        <p:spPr>
+          <a:xfrm>
+            <a:off x="392322" y="1371600"/>
+            <a:ext cx="8435794" cy="3785592"/>
+          </a:xfrm>
+          <a:prstGeom prst="rect">
+            <a:avLst/>
+          </a:prstGeom>
+        </p:spPr>
+      </p:pic>
+    </p:spTree>
+    <p:extLst>
+      <p:ext uri="{BB962C8B-B14F-4D97-AF65-F5344CB8AC3E}">
+        <p14:creationId xmlns:p14="http://schemas.microsoft.com/office/powerpoint/2010/main" val="2277398810"/>
+      </p:ext>
+    </p:extLst>
+  </p:cSld>
+  <p:clrMapOvr>
+    <a:masterClrMapping/>
+  </p:clrMapOvr>
+  <p:timing>
+    <p:tnLst>
+      <p:par>
+        <p:cTn xmlns:p14="http://schemas.microsoft.com/office/powerpoint/2010/main" id="1" dur="indefinite" restart="never" nodeType="tmRoot"/>
+      </p:par>
+    </p:tnLst>
+  </p:timing>
+</p:sld>
+</file>
+
+<file path=ppt/slides/slide21.xml><?xml version="1.0" encoding="utf-8"?>
+<p:sld xmlns:a="http://schemas.openxmlformats.org/drawingml/2006/main" xmlns:r="http://schemas.openxmlformats.org/officeDocument/2006/relationships" xmlns:p="http://schemas.openxmlformats.org/presentationml/2006/main">
+  <p:cSld>
+    <p:spTree>
+      <p:nvGrpSpPr>
+        <p:cNvPr id="1" name=""/>
+        <p:cNvGrpSpPr/>
+        <p:nvPr/>
+      </p:nvGrpSpPr>
+      <p:grpSpPr>
+        <a:xfrm>
+          <a:off x="0" y="0"/>
+          <a:ext cx="0" cy="0"/>
+          <a:chOff x="0" y="0"/>
+          <a:chExt cx="0" cy="0"/>
+        </a:xfrm>
+      </p:grpSpPr>
+      <p:sp>
+        <p:nvSpPr>
+          <p:cNvPr id="2" name="Inhaltsplatzhalter 1"/>
+          <p:cNvSpPr>
+            <a:spLocks noGrp="1"/>
+          </p:cNvSpPr>
+          <p:nvPr>
+            <p:ph idx="1"/>
+          </p:nvPr>
+        </p:nvSpPr>
+        <p:spPr>
+          <a:xfrm>
+            <a:off x="315884" y="5445224"/>
+            <a:ext cx="8512232" cy="1192643"/>
+          </a:xfrm>
+        </p:spPr>
+        <p:txBody>
+          <a:bodyPr/>
+          <a:lstStyle/>
+          <a:p>
+            <a:pPr marL="0" indent="0">
+              <a:buNone/>
+            </a:pPr>
+            <a:r>
+              <a:rPr lang="de-DE" dirty="0" smtClean="0"/>
               <a:t>...</a:t>
             </a:r>
             <a:r>
@@ -8360,7 +8668,7 @@
 </p:sld>
 </file>
 
-<file path=ppt/slides/slide21.xml><?xml version="1.0" encoding="utf-8"?>
+<file path=ppt/slides/slide22.xml><?xml version="1.0" encoding="utf-8"?>
 <p:sld xmlns:a="http://schemas.openxmlformats.org/drawingml/2006/main" xmlns:r="http://schemas.openxmlformats.org/officeDocument/2006/relationships" xmlns:p="http://schemas.openxmlformats.org/presentationml/2006/main">
   <p:cSld>
     <p:spTree>
@@ -8567,7 +8875,7 @@
 </p:sld>
 </file>
 
-<file path=ppt/slides/slide22.xml><?xml version="1.0" encoding="utf-8"?>
+<file path=ppt/slides/slide23.xml><?xml version="1.0" encoding="utf-8"?>
 <p:sld xmlns:a="http://schemas.openxmlformats.org/drawingml/2006/main" xmlns:r="http://schemas.openxmlformats.org/officeDocument/2006/relationships" xmlns:p="http://schemas.openxmlformats.org/presentationml/2006/main">
   <p:cSld>
     <p:spTree>
@@ -8778,11 +9086,7 @@
             </a:r>
             <a:r>
               <a:rPr lang="de-DE" sz="2800" dirty="0" smtClean="0"/>
-              <a:t> a Store</a:t>
-            </a:r>
-            <a:r>
-              <a:rPr lang="de-DE" sz="2800" dirty="0" smtClean="0"/>
-              <a:t>?</a:t>
+              <a:t> a Store?</a:t>
             </a:r>
           </a:p>
           <a:p>
@@ -8885,7 +9189,7 @@
 </p:sld>
 </file>
 
-<file path=ppt/slides/slide23.xml><?xml version="1.0" encoding="utf-8"?>
+<file path=ppt/slides/slide24.xml><?xml version="1.0" encoding="utf-8"?>
 <p:sld xmlns:a="http://schemas.openxmlformats.org/drawingml/2006/main" xmlns:r="http://schemas.openxmlformats.org/officeDocument/2006/relationships" xmlns:p="http://schemas.openxmlformats.org/presentationml/2006/main">
   <p:cSld>
     <p:spTree>
@@ -9197,7 +9501,7 @@
         </p:spPr>
         <p:txBody>
           <a:bodyPr lIns="0" tIns="0" rIns="0" bIns="0">
-            <a:normAutofit/>
+            <a:normAutofit fontScale="92500"/>
           </a:bodyPr>
           <a:lstStyle>
             <a:lvl1pPr marL="0" indent="0" algn="l" defTabSz="457200" rtl="0" eaLnBrk="1" latinLnBrk="0" hangingPunct="1">
@@ -9342,16 +9646,41 @@
               <a:t>Slides</a:t>
             </a:r>
             <a:r>
-              <a:rPr lang="de-DE" sz="2000" dirty="0" smtClean="0"/>
+              <a:rPr lang="de-DE" sz="2000" dirty="0"/>
               <a:t>:</a:t>
             </a:r>
-          </a:p>
-          <a:p>
-            <a:r>
-              <a:rPr lang="de-DE" sz="2000" dirty="0" err="1" smtClean="0"/>
-              <a:t>tbd</a:t>
-            </a:r>
-            <a:endParaRPr lang="de-DE" sz="2000" dirty="0"/>
+            <a:endParaRPr lang="de-DE" sz="2000" dirty="0" smtClean="0"/>
+          </a:p>
+          <a:p>
+            <a:r>
+              <a:rPr lang="de-DE" sz="1900" dirty="0"/>
+              <a:t>http://</a:t>
+            </a:r>
+            <a:r>
+              <a:rPr lang="de-DE" sz="1900" dirty="0" err="1"/>
+              <a:t>nilshartmann.net</a:t>
+            </a:r>
+            <a:r>
+              <a:rPr lang="de-DE" sz="1900" dirty="0"/>
+              <a:t>/</a:t>
+            </a:r>
+            <a:r>
+              <a:rPr lang="de-DE" sz="1900" dirty="0" err="1"/>
+              <a:t>posts</a:t>
+            </a:r>
+            <a:r>
+              <a:rPr lang="de-DE" sz="1900" dirty="0"/>
+              <a:t>/</a:t>
+            </a:r>
+            <a:r>
+              <a:rPr lang="de-DE" sz="1900" dirty="0" err="1"/>
+              <a:t>flux-einfuehrung-react-meetup-</a:t>
+            </a:r>
+            <a:r>
+              <a:rPr lang="de-DE" sz="1900" dirty="0" err="1" smtClean="0"/>
+              <a:t>hh</a:t>
+            </a:r>
+            <a:endParaRPr lang="de-DE" sz="1900" dirty="0"/>
           </a:p>
         </p:txBody>
       </p:sp>
